--- a/doc/c#_teach/c#_projects.pptx
+++ b/doc/c#_teach/c#_projects.pptx
@@ -5,7 +5,7 @@
     <p:sldMasterId id="2147484006" r:id="rId1"/>
   </p:sldMasterIdLst>
   <p:notesMasterIdLst>
-    <p:notesMasterId r:id="rId23"/>
+    <p:notesMasterId r:id="rId22"/>
   </p:notesMasterIdLst>
   <p:sldIdLst>
     <p:sldId id="256" r:id="rId2"/>
@@ -28,7 +28,6 @@
     <p:sldId id="351" r:id="rId19"/>
     <p:sldId id="352" r:id="rId20"/>
     <p:sldId id="353" r:id="rId21"/>
-    <p:sldId id="354" r:id="rId22"/>
   </p:sldIdLst>
   <p:sldSz cx="12192000" cy="6858000"/>
   <p:notesSz cx="6858000" cy="9144000"/>
@@ -217,7 +216,7 @@
           <a:p>
             <a:fld id="{890C5448-3B99-490C-ADA0-94BB4B512256}" type="datetimeFigureOut">
               <a:rPr lang="en-US" smtClean="0"/>
-              <a:t>11/20/2017</a:t>
+              <a:t>11/22/2017</a:t>
             </a:fld>
             <a:endParaRPr lang="en-US"/>
           </a:p>
@@ -820,7 +819,7 @@
           <a:p>
             <a:fld id="{5F2F6395-FEF5-46A5-9842-96D866342840}" type="datetimeFigureOut">
               <a:rPr lang="en-US" smtClean="0"/>
-              <a:t>11/20/2017</a:t>
+              <a:t>11/22/2017</a:t>
             </a:fld>
             <a:endParaRPr lang="en-US"/>
           </a:p>
@@ -1908,7 +1907,7 @@
           <a:p>
             <a:fld id="{5F2F6395-FEF5-46A5-9842-96D866342840}" type="datetimeFigureOut">
               <a:rPr lang="en-US" smtClean="0"/>
-              <a:t>11/20/2017</a:t>
+              <a:t>11/22/2017</a:t>
             </a:fld>
             <a:endParaRPr lang="en-US"/>
           </a:p>
@@ -2888,7 +2887,7 @@
           <a:p>
             <a:fld id="{5F2F6395-FEF5-46A5-9842-96D866342840}" type="datetimeFigureOut">
               <a:rPr lang="en-US" smtClean="0"/>
-              <a:t>11/20/2017</a:t>
+              <a:t>11/22/2017</a:t>
             </a:fld>
             <a:endParaRPr lang="en-US"/>
           </a:p>
@@ -4022,7 +4021,7 @@
           <a:p>
             <a:fld id="{5F2F6395-FEF5-46A5-9842-96D866342840}" type="datetimeFigureOut">
               <a:rPr lang="en-US" smtClean="0"/>
-              <a:t>11/20/2017</a:t>
+              <a:t>11/22/2017</a:t>
             </a:fld>
             <a:endParaRPr lang="en-US"/>
           </a:p>
@@ -5055,7 +5054,7 @@
           <a:p>
             <a:fld id="{5F2F6395-FEF5-46A5-9842-96D866342840}" type="datetimeFigureOut">
               <a:rPr lang="en-US" smtClean="0"/>
-              <a:t>11/20/2017</a:t>
+              <a:t>11/22/2017</a:t>
             </a:fld>
             <a:endParaRPr lang="en-US"/>
           </a:p>
@@ -5715,7 +5714,7 @@
           <a:p>
             <a:fld id="{5F2F6395-FEF5-46A5-9842-96D866342840}" type="datetimeFigureOut">
               <a:rPr lang="en-US" smtClean="0"/>
-              <a:t>11/20/2017</a:t>
+              <a:t>11/22/2017</a:t>
             </a:fld>
             <a:endParaRPr lang="en-US"/>
           </a:p>
@@ -6576,7 +6575,7 @@
           <a:p>
             <a:fld id="{5F2F6395-FEF5-46A5-9842-96D866342840}" type="datetimeFigureOut">
               <a:rPr lang="en-US" smtClean="0"/>
-              <a:t>11/20/2017</a:t>
+              <a:t>11/22/2017</a:t>
             </a:fld>
             <a:endParaRPr lang="en-US"/>
           </a:p>
@@ -6766,7 +6765,7 @@
           <a:p>
             <a:fld id="{5F2F6395-FEF5-46A5-9842-96D866342840}" type="datetimeFigureOut">
               <a:rPr lang="en-US" smtClean="0"/>
-              <a:t>11/20/2017</a:t>
+              <a:t>11/22/2017</a:t>
             </a:fld>
             <a:endParaRPr lang="en-US"/>
           </a:p>
@@ -7738,7 +7737,7 @@
           <a:p>
             <a:fld id="{5F2F6395-FEF5-46A5-9842-96D866342840}" type="datetimeFigureOut">
               <a:rPr lang="en-US" smtClean="0"/>
-              <a:t>11/20/2017</a:t>
+              <a:t>11/22/2017</a:t>
             </a:fld>
             <a:endParaRPr lang="en-US"/>
           </a:p>
@@ -9059,7 +9058,7 @@
           <a:p>
             <a:fld id="{5F2F6395-FEF5-46A5-9842-96D866342840}" type="datetimeFigureOut">
               <a:rPr lang="en-US" smtClean="0"/>
-              <a:t>11/20/2017</a:t>
+              <a:t>11/22/2017</a:t>
             </a:fld>
             <a:endParaRPr lang="en-US"/>
           </a:p>
@@ -9331,7 +9330,7 @@
           <a:p>
             <a:fld id="{5F2F6395-FEF5-46A5-9842-96D866342840}" type="datetimeFigureOut">
               <a:rPr lang="en-US" smtClean="0"/>
-              <a:t>11/20/2017</a:t>
+              <a:t>11/22/2017</a:t>
             </a:fld>
             <a:endParaRPr lang="en-US"/>
           </a:p>
@@ -9741,7 +9740,7 @@
           <a:p>
             <a:fld id="{5F2F6395-FEF5-46A5-9842-96D866342840}" type="datetimeFigureOut">
               <a:rPr lang="en-US" smtClean="0"/>
-              <a:t>11/20/2017</a:t>
+              <a:t>11/22/2017</a:t>
             </a:fld>
             <a:endParaRPr lang="en-US"/>
           </a:p>
@@ -9868,7 +9867,7 @@
           <a:p>
             <a:fld id="{5F2F6395-FEF5-46A5-9842-96D866342840}" type="datetimeFigureOut">
               <a:rPr lang="en-US" smtClean="0"/>
-              <a:t>11/20/2017</a:t>
+              <a:t>11/22/2017</a:t>
             </a:fld>
             <a:endParaRPr lang="en-US"/>
           </a:p>
@@ -9963,7 +9962,7 @@
           <a:p>
             <a:fld id="{5F2F6395-FEF5-46A5-9842-96D866342840}" type="datetimeFigureOut">
               <a:rPr lang="en-US" smtClean="0"/>
-              <a:t>11/20/2017</a:t>
+              <a:t>11/22/2017</a:t>
             </a:fld>
             <a:endParaRPr lang="en-US"/>
           </a:p>
@@ -11044,7 +11043,7 @@
           <a:p>
             <a:fld id="{5F2F6395-FEF5-46A5-9842-96D866342840}" type="datetimeFigureOut">
               <a:rPr lang="en-US" smtClean="0"/>
-              <a:t>11/20/2017</a:t>
+              <a:t>11/22/2017</a:t>
             </a:fld>
             <a:endParaRPr lang="en-US"/>
           </a:p>
@@ -12152,7 +12151,7 @@
           <a:p>
             <a:fld id="{5F2F6395-FEF5-46A5-9842-96D866342840}" type="datetimeFigureOut">
               <a:rPr lang="en-US" smtClean="0"/>
-              <a:t>11/20/2017</a:t>
+              <a:t>11/22/2017</a:t>
             </a:fld>
             <a:endParaRPr lang="en-US"/>
           </a:p>
@@ -13149,7 +13148,7 @@
           <a:p>
             <a:fld id="{5F2F6395-FEF5-46A5-9842-96D866342840}" type="datetimeFigureOut">
               <a:rPr lang="en-US" smtClean="0"/>
-              <a:t>11/20/2017</a:t>
+              <a:t>11/22/2017</a:t>
             </a:fld>
             <a:endParaRPr lang="en-US"/>
           </a:p>
@@ -13757,22 +13756,29 @@
             <p:ph type="subTitle" idx="1"/>
           </p:nvPr>
         </p:nvSpPr>
-        <p:spPr/>
+        <p:spPr>
+          <a:xfrm>
+            <a:off x="8759687" y="4777380"/>
+            <a:ext cx="1220926" cy="861420"/>
+          </a:xfrm>
+        </p:spPr>
         <p:txBody>
-          <a:bodyPr/>
+          <a:bodyPr>
+            <a:normAutofit/>
+          </a:bodyPr>
           <a:lstStyle/>
           <a:p>
             <a:pPr algn="r"/>
             <a:r>
-              <a:rPr lang="fa-IR" dirty="0" smtClean="0">
+              <a:rPr lang="fa-IR" sz="2400" dirty="0" smtClean="0">
                 <a:solidFill>
                   <a:schemeClr val="bg1"/>
                 </a:solidFill>
                 <a:cs typeface="B Nazanin" panose="00000400000000000000" pitchFamily="2" charset="-78"/>
               </a:rPr>
-              <a:t>نرم افزار نویسی</a:t>
+              <a:t>پروژه ها</a:t>
             </a:r>
-            <a:endParaRPr lang="en-US" dirty="0">
+            <a:endParaRPr lang="en-US" sz="2400" dirty="0">
               <a:solidFill>
                 <a:schemeClr val="bg1"/>
               </a:solidFill>
@@ -14015,6 +14021,9 @@
             <a:pPr rtl="1"/>
             <a:r>
               <a:rPr lang="fa-IR" sz="3200" b="1" i="1" dirty="0" smtClean="0">
+                <a:solidFill>
+                  <a:schemeClr val="bg1"/>
+                </a:solidFill>
                 <a:effectLst>
                   <a:outerShdw blurRad="38100" dist="38100" dir="2700000" algn="tl">
                     <a:srgbClr val="000000">
@@ -14027,6 +14036,9 @@
               <a:t>باسمه تعالی</a:t>
             </a:r>
             <a:endParaRPr lang="en-US" sz="3200" b="1" i="1" dirty="0">
+              <a:solidFill>
+                <a:schemeClr val="bg1"/>
+              </a:solidFill>
               <a:effectLst>
                 <a:outerShdw blurRad="38100" dist="38100" dir="2700000" algn="tl">
                   <a:srgbClr val="000000">
@@ -14034,6 +14046,95 @@
                   </a:srgbClr>
                 </a:outerShdw>
               </a:effectLst>
+              <a:cs typeface="B Nazanin" panose="00000400000000000000" pitchFamily="2" charset="-78"/>
+            </a:endParaRPr>
+          </a:p>
+        </p:txBody>
+      </p:sp>
+      <p:sp>
+        <p:nvSpPr>
+          <p:cNvPr id="7" name="TextBox 6"/>
+          <p:cNvSpPr txBox="1"/>
+          <p:nvPr/>
+        </p:nvSpPr>
+        <p:spPr>
+          <a:xfrm>
+            <a:off x="630275" y="5433391"/>
+            <a:ext cx="4697099" cy="923330"/>
+          </a:xfrm>
+          <a:prstGeom prst="rect">
+            <a:avLst/>
+          </a:prstGeom>
+          <a:noFill/>
+        </p:spPr>
+        <p:txBody>
+          <a:bodyPr wrap="square" rtlCol="0">
+            <a:spAutoFit/>
+          </a:bodyPr>
+          <a:lstStyle/>
+          <a:p>
+            <a:pPr algn="r" rtl="1"/>
+            <a:r>
+              <a:rPr lang="fa-IR" dirty="0">
+                <a:solidFill>
+                  <a:schemeClr val="bg1"/>
+                </a:solidFill>
+                <a:cs typeface="B Nazanin" panose="00000400000000000000" pitchFamily="2" charset="-78"/>
+              </a:rPr>
+              <a:t>تنظیم: سهیل </a:t>
+            </a:r>
+            <a:r>
+              <a:rPr lang="fa-IR" dirty="0" smtClean="0">
+                <a:solidFill>
+                  <a:schemeClr val="bg1"/>
+                </a:solidFill>
+                <a:cs typeface="B Nazanin" panose="00000400000000000000" pitchFamily="2" charset="-78"/>
+              </a:rPr>
+              <a:t>رمضانزاده (</a:t>
+            </a:r>
+            <a:r>
+              <a:rPr lang="en-US" dirty="0" smtClean="0">
+                <a:solidFill>
+                  <a:schemeClr val="bg1"/>
+                </a:solidFill>
+                <a:cs typeface="B Nazanin" panose="00000400000000000000" pitchFamily="2" charset="-78"/>
+              </a:rPr>
+              <a:t>soheillamso@gmail.com</a:t>
+            </a:r>
+            <a:r>
+              <a:rPr lang="fa-IR" dirty="0" smtClean="0">
+                <a:solidFill>
+                  <a:schemeClr val="bg1"/>
+                </a:solidFill>
+                <a:cs typeface="B Nazanin" panose="00000400000000000000" pitchFamily="2" charset="-78"/>
+              </a:rPr>
+              <a:t>)</a:t>
+            </a:r>
+            <a:endParaRPr lang="en-US" dirty="0">
+              <a:solidFill>
+                <a:schemeClr val="bg1"/>
+              </a:solidFill>
+              <a:cs typeface="B Nazanin" panose="00000400000000000000" pitchFamily="2" charset="-78"/>
+            </a:endParaRPr>
+          </a:p>
+          <a:p>
+            <a:pPr algn="r" rtl="1"/>
+            <a:r>
+              <a:rPr lang="fa-IR" dirty="0">
+                <a:solidFill>
+                  <a:schemeClr val="bg1"/>
+                </a:solidFill>
+                <a:cs typeface="B Nazanin" panose="00000400000000000000" pitchFamily="2" charset="-78"/>
+              </a:rPr>
+              <a:t>آخرین بروزرسانی : 1396/08/15</a:t>
+            </a:r>
+          </a:p>
+          <a:p>
+            <a:pPr algn="r" rtl="1"/>
+            <a:endParaRPr lang="en-US" dirty="0">
+              <a:solidFill>
+                <a:schemeClr val="bg1"/>
+              </a:solidFill>
               <a:cs typeface="B Nazanin" panose="00000400000000000000" pitchFamily="2" charset="-78"/>
             </a:endParaRPr>
           </a:p>
@@ -15651,99 +15752,6 @@
   <p:clrMapOvr>
     <a:masterClrMapping/>
   </p:clrMapOvr>
-</p:sld>
-</file>
-
-<file path=ppt/slides/slide21.xml><?xml version="1.0" encoding="utf-8"?>
-<p:sld xmlns:a="http://schemas.openxmlformats.org/drawingml/2006/main" xmlns:r="http://schemas.openxmlformats.org/officeDocument/2006/relationships" xmlns:p="http://schemas.openxmlformats.org/presentationml/2006/main">
-  <p:cSld>
-    <p:spTree>
-      <p:nvGrpSpPr>
-        <p:cNvPr id="1" name=""/>
-        <p:cNvGrpSpPr/>
-        <p:nvPr/>
-      </p:nvGrpSpPr>
-      <p:grpSpPr>
-        <a:xfrm>
-          <a:off x="0" y="0"/>
-          <a:ext cx="0" cy="0"/>
-          <a:chOff x="0" y="0"/>
-          <a:chExt cx="0" cy="0"/>
-        </a:xfrm>
-      </p:grpSpPr>
-      <p:sp>
-        <p:nvSpPr>
-          <p:cNvPr id="2" name="Title 1"/>
-          <p:cNvSpPr>
-            <a:spLocks noGrp="1"/>
-          </p:cNvSpPr>
-          <p:nvPr>
-            <p:ph type="title"/>
-          </p:nvPr>
-        </p:nvSpPr>
-        <p:spPr/>
-        <p:txBody>
-          <a:bodyPr/>
-          <a:lstStyle/>
-          <a:p>
-            <a:r>
-              <a:rPr lang="fa-IR" dirty="0"/>
-              <a:t>پروژه ها</a:t>
-            </a:r>
-            <a:endParaRPr lang="en-US" dirty="0"/>
-          </a:p>
-        </p:txBody>
-      </p:sp>
-      <p:sp>
-        <p:nvSpPr>
-          <p:cNvPr id="3" name="Content Placeholder 2"/>
-          <p:cNvSpPr>
-            <a:spLocks noGrp="1"/>
-          </p:cNvSpPr>
-          <p:nvPr>
-            <p:ph idx="1"/>
-          </p:nvPr>
-        </p:nvSpPr>
-        <p:spPr>
-          <a:xfrm>
-            <a:off x="472967" y="2533137"/>
-            <a:ext cx="11170736" cy="4324863"/>
-          </a:xfrm>
-        </p:spPr>
-        <p:txBody>
-          <a:bodyPr>
-            <a:normAutofit/>
-          </a:bodyPr>
-          <a:lstStyle/>
-          <a:p>
-            <a:r>
-              <a:rPr lang="fa-IR" dirty="0" smtClean="0"/>
-              <a:t>پروژه 15: (ادامه عکس)</a:t>
-            </a:r>
-            <a:endParaRPr lang="fa-IR" sz="2000" dirty="0" smtClean="0"/>
-          </a:p>
-          <a:p>
-            <a:endParaRPr lang="fa-IR" dirty="0"/>
-          </a:p>
-        </p:txBody>
-      </p:sp>
-    </p:spTree>
-    <p:extLst>
-      <p:ext uri="{BB962C8B-B14F-4D97-AF65-F5344CB8AC3E}">
-        <p14:creationId xmlns:p14="http://schemas.microsoft.com/office/powerpoint/2010/main" val="3458425713"/>
-      </p:ext>
-    </p:extLst>
-  </p:cSld>
-  <p:clrMapOvr>
-    <a:masterClrMapping/>
-  </p:clrMapOvr>
-  <p:timing>
-    <p:tnLst>
-      <p:par>
-        <p:cTn id="1" dur="indefinite" restart="never" nodeType="tmRoot"/>
-      </p:par>
-    </p:tnLst>
-  </p:timing>
 </p:sld>
 </file>
 
